--- a/paper/presentation/DeepSched Presentation.pptx
+++ b/paper/presentation/DeepSched Presentation.pptx
@@ -7566,7 +7566,7 @@
             <a:tbl>
               <a:tblPr>
                 <a:noFill/>
-                <a:tableStyleId>{C0C84A42-8B45-4DC1-B247-AB349CEA70FB}</a:tableStyleId>
+                <a:tableStyleId>{864C40DA-0E3C-4238-9267-A67DC0CE5D10}</a:tableStyleId>
               </a:tblPr>
               <a:tblGrid>
                 <a:gridCol w="1120225"/>
@@ -8946,7 +8946,7 @@
         <p:spPr>
           <a:xfrm>
             <a:off x="676900" y="1083950"/>
-            <a:ext cx="6758100" cy="1917600"/>
+            <a:ext cx="6758100" cy="2531700"/>
           </a:xfrm>
           <a:prstGeom prst="rect">
             <a:avLst/>
@@ -9065,7 +9065,31 @@
             </a:r>
             <a:r>
               <a:rPr lang="en"/>
-              <a:t>.</a:t>
+              <a:t>, because </a:t>
+            </a:r>
+            <a:r>
+              <a:rPr b="1" lang="en"/>
+              <a:t>static scenarios</a:t>
+            </a:r>
+            <a:r>
+              <a:rPr lang="en"/>
+              <a:t> and </a:t>
+            </a:r>
+            <a:r>
+              <a:rPr b="1" lang="en"/>
+              <a:t>maximum predefined input size </a:t>
+            </a:r>
+            <a:r>
+              <a:rPr lang="en"/>
+              <a:t>are the main </a:t>
+            </a:r>
+            <a:r>
+              <a:rPr b="1" lang="en"/>
+              <a:t>drawbacks</a:t>
+            </a:r>
+            <a:r>
+              <a:rPr lang="en"/>
+              <a:t> of the proposed method.</a:t>
             </a:r>
             <a:endParaRPr/>
           </a:p>

--- a/paper/presentation/DeepSched Presentation.pptx
+++ b/paper/presentation/DeepSched Presentation.pptx
@@ -825,7 +825,7 @@
   <p:cSld>
     <p:spTree>
       <p:nvGrpSpPr>
-        <p:cNvPr id="132" name="Shape 132"/>
+        <p:cNvPr id="134" name="Shape 134"/>
         <p:cNvGrpSpPr/>
         <p:nvPr/>
       </p:nvGrpSpPr>
@@ -839,7 +839,7 @@
       </p:grpSpPr>
       <p:sp>
         <p:nvSpPr>
-          <p:cNvPr id="133" name="Google Shape;133;g737dce57cc_0_2388:notes"/>
+          <p:cNvPr id="135" name="Google Shape;135;g737dce57cc_0_2388:notes"/>
           <p:cNvSpPr/>
           <p:nvPr>
             <p:ph idx="2" type="sldImg"/>
@@ -874,7 +874,7 @@
       </p:sp>
       <p:sp>
         <p:nvSpPr>
-          <p:cNvPr id="134" name="Google Shape;134;g737dce57cc_0_2388:notes"/>
+          <p:cNvPr id="136" name="Google Shape;136;g737dce57cc_0_2388:notes"/>
           <p:cNvSpPr txBox="1"/>
           <p:nvPr>
             <p:ph idx="1" type="body"/>
@@ -924,7 +924,7 @@
   <p:cSld>
     <p:spTree>
       <p:nvGrpSpPr>
-        <p:cNvPr id="140" name="Shape 140"/>
+        <p:cNvPr id="142" name="Shape 142"/>
         <p:cNvGrpSpPr/>
         <p:nvPr/>
       </p:nvGrpSpPr>
@@ -938,7 +938,7 @@
       </p:grpSpPr>
       <p:sp>
         <p:nvSpPr>
-          <p:cNvPr id="141" name="Google Shape;141;g737dce57cc_0_2401:notes"/>
+          <p:cNvPr id="143" name="Google Shape;143;g737dce57cc_0_2401:notes"/>
           <p:cNvSpPr/>
           <p:nvPr>
             <p:ph idx="2" type="sldImg"/>
@@ -973,7 +973,7 @@
       </p:sp>
       <p:sp>
         <p:nvSpPr>
-          <p:cNvPr id="142" name="Google Shape;142;g737dce57cc_0_2401:notes"/>
+          <p:cNvPr id="144" name="Google Shape;144;g737dce57cc_0_2401:notes"/>
           <p:cNvSpPr txBox="1"/>
           <p:nvPr>
             <p:ph idx="1" type="body"/>
@@ -1122,7 +1122,7 @@
   <p:cSld>
     <p:spTree>
       <p:nvGrpSpPr>
-        <p:cNvPr id="76" name="Shape 76"/>
+        <p:cNvPr id="78" name="Shape 78"/>
         <p:cNvGrpSpPr/>
         <p:nvPr/>
       </p:nvGrpSpPr>
@@ -1136,7 +1136,7 @@
       </p:grpSpPr>
       <p:sp>
         <p:nvSpPr>
-          <p:cNvPr id="77" name="Google Shape;77;g737dce57cc_0_2539:notes"/>
+          <p:cNvPr id="79" name="Google Shape;79;g737dce57cc_0_2539:notes"/>
           <p:cNvSpPr/>
           <p:nvPr>
             <p:ph idx="2" type="sldImg"/>
@@ -1171,7 +1171,7 @@
       </p:sp>
       <p:sp>
         <p:nvSpPr>
-          <p:cNvPr id="78" name="Google Shape;78;g737dce57cc_0_2539:notes"/>
+          <p:cNvPr id="80" name="Google Shape;80;g737dce57cc_0_2539:notes"/>
           <p:cNvSpPr txBox="1"/>
           <p:nvPr>
             <p:ph idx="1" type="body"/>
@@ -1221,7 +1221,7 @@
   <p:cSld>
     <p:spTree>
       <p:nvGrpSpPr>
-        <p:cNvPr id="84" name="Shape 84"/>
+        <p:cNvPr id="86" name="Shape 86"/>
         <p:cNvGrpSpPr/>
         <p:nvPr/>
       </p:nvGrpSpPr>
@@ -1235,7 +1235,7 @@
       </p:grpSpPr>
       <p:sp>
         <p:nvSpPr>
-          <p:cNvPr id="85" name="Google Shape;85;g737dce57cc_1_31:notes"/>
+          <p:cNvPr id="87" name="Google Shape;87;g737dce57cc_1_31:notes"/>
           <p:cNvSpPr/>
           <p:nvPr>
             <p:ph idx="2" type="sldImg"/>
@@ -1270,7 +1270,7 @@
       </p:sp>
       <p:sp>
         <p:nvSpPr>
-          <p:cNvPr id="86" name="Google Shape;86;g737dce57cc_1_31:notes"/>
+          <p:cNvPr id="88" name="Google Shape;88;g737dce57cc_1_31:notes"/>
           <p:cNvSpPr txBox="1"/>
           <p:nvPr>
             <p:ph idx="1" type="body"/>
@@ -1320,7 +1320,7 @@
   <p:cSld>
     <p:spTree>
       <p:nvGrpSpPr>
-        <p:cNvPr id="92" name="Shape 92"/>
+        <p:cNvPr id="94" name="Shape 94"/>
         <p:cNvGrpSpPr/>
         <p:nvPr/>
       </p:nvGrpSpPr>
@@ -1334,7 +1334,7 @@
       </p:grpSpPr>
       <p:sp>
         <p:nvSpPr>
-          <p:cNvPr id="93" name="Google Shape;93;g737dce57cc_0_2369:notes"/>
+          <p:cNvPr id="95" name="Google Shape;95;g737dce57cc_0_2369:notes"/>
           <p:cNvSpPr/>
           <p:nvPr>
             <p:ph idx="2" type="sldImg"/>
@@ -1369,7 +1369,7 @@
       </p:sp>
       <p:sp>
         <p:nvSpPr>
-          <p:cNvPr id="94" name="Google Shape;94;g737dce57cc_0_2369:notes"/>
+          <p:cNvPr id="96" name="Google Shape;96;g737dce57cc_0_2369:notes"/>
           <p:cNvSpPr txBox="1"/>
           <p:nvPr>
             <p:ph idx="1" type="body"/>
@@ -1419,7 +1419,7 @@
   <p:cSld>
     <p:spTree>
       <p:nvGrpSpPr>
-        <p:cNvPr id="100" name="Shape 100"/>
+        <p:cNvPr id="102" name="Shape 102"/>
         <p:cNvGrpSpPr/>
         <p:nvPr/>
       </p:nvGrpSpPr>
@@ -1433,7 +1433,7 @@
       </p:grpSpPr>
       <p:sp>
         <p:nvSpPr>
-          <p:cNvPr id="101" name="Google Shape;101;g737dce57cc_0_2376:notes"/>
+          <p:cNvPr id="103" name="Google Shape;103;g737dce57cc_0_2376:notes"/>
           <p:cNvSpPr/>
           <p:nvPr>
             <p:ph idx="2" type="sldImg"/>
@@ -1468,7 +1468,7 @@
       </p:sp>
       <p:sp>
         <p:nvSpPr>
-          <p:cNvPr id="102" name="Google Shape;102;g737dce57cc_0_2376:notes"/>
+          <p:cNvPr id="104" name="Google Shape;104;g737dce57cc_0_2376:notes"/>
           <p:cNvSpPr txBox="1"/>
           <p:nvPr>
             <p:ph idx="1" type="body"/>
@@ -1518,7 +1518,7 @@
   <p:cSld>
     <p:spTree>
       <p:nvGrpSpPr>
-        <p:cNvPr id="108" name="Shape 108"/>
+        <p:cNvPr id="110" name="Shape 110"/>
         <p:cNvGrpSpPr/>
         <p:nvPr/>
       </p:nvGrpSpPr>
@@ -1532,7 +1532,7 @@
       </p:grpSpPr>
       <p:sp>
         <p:nvSpPr>
-          <p:cNvPr id="109" name="Google Shape;109;g737dce57cc_1_50:notes"/>
+          <p:cNvPr id="111" name="Google Shape;111;g737dce57cc_1_50:notes"/>
           <p:cNvSpPr/>
           <p:nvPr>
             <p:ph idx="2" type="sldImg"/>
@@ -1567,7 +1567,7 @@
       </p:sp>
       <p:sp>
         <p:nvSpPr>
-          <p:cNvPr id="110" name="Google Shape;110;g737dce57cc_1_50:notes"/>
+          <p:cNvPr id="112" name="Google Shape;112;g737dce57cc_1_50:notes"/>
           <p:cNvSpPr txBox="1"/>
           <p:nvPr>
             <p:ph idx="1" type="body"/>
@@ -1617,7 +1617,7 @@
   <p:cSld>
     <p:spTree>
       <p:nvGrpSpPr>
-        <p:cNvPr id="116" name="Shape 116"/>
+        <p:cNvPr id="118" name="Shape 118"/>
         <p:cNvGrpSpPr/>
         <p:nvPr/>
       </p:nvGrpSpPr>
@@ -1631,7 +1631,7 @@
       </p:grpSpPr>
       <p:sp>
         <p:nvSpPr>
-          <p:cNvPr id="117" name="Google Shape;117;g737dce57cc_0_2382:notes"/>
+          <p:cNvPr id="119" name="Google Shape;119;g737dce57cc_0_2382:notes"/>
           <p:cNvSpPr/>
           <p:nvPr>
             <p:ph idx="2" type="sldImg"/>
@@ -1666,7 +1666,7 @@
       </p:sp>
       <p:sp>
         <p:nvSpPr>
-          <p:cNvPr id="118" name="Google Shape;118;g737dce57cc_0_2382:notes"/>
+          <p:cNvPr id="120" name="Google Shape;120;g737dce57cc_0_2382:notes"/>
           <p:cNvSpPr txBox="1"/>
           <p:nvPr>
             <p:ph idx="1" type="body"/>
@@ -1716,7 +1716,7 @@
   <p:cSld>
     <p:spTree>
       <p:nvGrpSpPr>
-        <p:cNvPr id="124" name="Shape 124"/>
+        <p:cNvPr id="126" name="Shape 126"/>
         <p:cNvGrpSpPr/>
         <p:nvPr/>
       </p:nvGrpSpPr>
@@ -1730,7 +1730,7 @@
       </p:grpSpPr>
       <p:sp>
         <p:nvSpPr>
-          <p:cNvPr id="125" name="Google Shape;125;g737dce57cc_1_59:notes"/>
+          <p:cNvPr id="127" name="Google Shape;127;g737dce57cc_1_59:notes"/>
           <p:cNvSpPr/>
           <p:nvPr>
             <p:ph idx="2" type="sldImg"/>
@@ -1765,7 +1765,7 @@
       </p:sp>
       <p:sp>
         <p:nvSpPr>
-          <p:cNvPr id="126" name="Google Shape;126;g737dce57cc_1_59:notes"/>
+          <p:cNvPr id="128" name="Google Shape;128;g737dce57cc_1_59:notes"/>
           <p:cNvSpPr txBox="1"/>
           <p:nvPr>
             <p:ph idx="1" type="body"/>
@@ -7539,7 +7539,7 @@
   <p:cSld>
     <p:spTree>
       <p:nvGrpSpPr>
-        <p:cNvPr id="135" name="Shape 135"/>
+        <p:cNvPr id="137" name="Shape 137"/>
         <p:cNvGrpSpPr/>
         <p:nvPr/>
       </p:nvGrpSpPr>
@@ -7553,7 +7553,7 @@
       </p:grpSpPr>
       <p:graphicFrame>
         <p:nvGraphicFramePr>
-          <p:cNvPr id="136" name="Google Shape;136;p22"/>
+          <p:cNvPr id="138" name="Google Shape;138;p22"/>
           <p:cNvGraphicFramePr/>
           <p:nvPr/>
         </p:nvGraphicFramePr>
@@ -7566,7 +7566,7 @@
             <a:tbl>
               <a:tblPr>
                 <a:noFill/>
-                <a:tableStyleId>{864C40DA-0E3C-4238-9267-A67DC0CE5D10}</a:tableStyleId>
+                <a:tableStyleId>{2A60BA76-16B8-4DC4-90E4-4007C5786BCF}</a:tableStyleId>
               </a:tblPr>
               <a:tblGrid>
                 <a:gridCol w="1120225"/>
@@ -8569,7 +8569,7 @@
       </p:graphicFrame>
       <p:sp>
         <p:nvSpPr>
-          <p:cNvPr id="137" name="Google Shape;137;p22"/>
+          <p:cNvPr id="139" name="Google Shape;139;p22"/>
           <p:cNvSpPr txBox="1"/>
           <p:nvPr/>
         </p:nvSpPr>
@@ -8647,7 +8647,7 @@
       </p:sp>
       <p:sp>
         <p:nvSpPr>
-          <p:cNvPr id="138" name="Google Shape;138;p22"/>
+          <p:cNvPr id="140" name="Google Shape;140;p22"/>
           <p:cNvSpPr txBox="1"/>
           <p:nvPr/>
         </p:nvSpPr>
@@ -8794,7 +8794,7 @@
       </p:sp>
       <p:sp>
         <p:nvSpPr>
-          <p:cNvPr id="139" name="Google Shape;139;p22"/>
+          <p:cNvPr id="141" name="Google Shape;141;p22"/>
           <p:cNvSpPr txBox="1"/>
           <p:nvPr/>
         </p:nvSpPr>
@@ -8847,7 +8847,7 @@
   <p:cSld>
     <p:spTree>
       <p:nvGrpSpPr>
-        <p:cNvPr id="143" name="Shape 143"/>
+        <p:cNvPr id="145" name="Shape 145"/>
         <p:cNvGrpSpPr/>
         <p:nvPr/>
       </p:nvGrpSpPr>
@@ -8861,7 +8861,7 @@
       </p:grpSpPr>
       <p:sp>
         <p:nvSpPr>
-          <p:cNvPr id="144" name="Google Shape;144;p23"/>
+          <p:cNvPr id="146" name="Google Shape;146;p23"/>
           <p:cNvSpPr txBox="1"/>
           <p:nvPr/>
         </p:nvSpPr>
@@ -8939,7 +8939,7 @@
       </p:sp>
       <p:sp>
         <p:nvSpPr>
-          <p:cNvPr id="145" name="Google Shape;145;p23"/>
+          <p:cNvPr id="147" name="Google Shape;147;p23"/>
           <p:cNvSpPr txBox="1"/>
           <p:nvPr/>
         </p:nvSpPr>
@@ -9097,7 +9097,7 @@
       </p:sp>
       <p:sp>
         <p:nvSpPr>
-          <p:cNvPr id="146" name="Google Shape;146;p23"/>
+          <p:cNvPr id="148" name="Google Shape;148;p23"/>
           <p:cNvSpPr txBox="1"/>
           <p:nvPr/>
         </p:nvSpPr>
@@ -9311,6 +9311,78 @@
           </a:p>
         </p:txBody>
       </p:sp>
+      <p:pic>
+        <p:nvPicPr>
+          <p:cNvPr id="76" name="Google Shape;76;p14" title="record.wav">
+            <a:hlinkClick r:id="rId5"/>
+          </p:cNvPr>
+          <p:cNvPicPr preferRelativeResize="0"/>
+          <p:nvPr/>
+        </p:nvPicPr>
+        <p:blipFill>
+          <a:blip r:embed="rId6">
+            <a:alphaModFix/>
+          </a:blip>
+          <a:stretch>
+            <a:fillRect/>
+          </a:stretch>
+        </p:blipFill>
+        <p:spPr>
+          <a:xfrm>
+            <a:off x="4343400" y="3954350"/>
+            <a:ext cx="457200" cy="457200"/>
+          </a:xfrm>
+          <a:prstGeom prst="rect">
+            <a:avLst/>
+          </a:prstGeom>
+          <a:noFill/>
+          <a:ln>
+            <a:noFill/>
+          </a:ln>
+        </p:spPr>
+      </p:pic>
+      <p:sp>
+        <p:nvSpPr>
+          <p:cNvPr id="77" name="Google Shape;77;p14"/>
+          <p:cNvSpPr txBox="1"/>
+          <p:nvPr/>
+        </p:nvSpPr>
+        <p:spPr>
+          <a:xfrm>
+            <a:off x="676900" y="364575"/>
+            <a:ext cx="3080100" cy="349800"/>
+          </a:xfrm>
+          <a:prstGeom prst="rect">
+            <a:avLst/>
+          </a:prstGeom>
+          <a:noFill/>
+          <a:ln>
+            <a:noFill/>
+          </a:ln>
+        </p:spPr>
+        <p:txBody>
+          <a:bodyPr anchorCtr="0" anchor="t" bIns="91425" lIns="91425" spcFirstLastPara="1" rIns="91425" wrap="square" tIns="91425">
+            <a:noAutofit/>
+          </a:bodyPr>
+          <a:lstStyle/>
+          <a:p>
+            <a:pPr indent="0" lvl="0" marL="0" rtl="0" algn="l">
+              <a:spcBef>
+                <a:spcPts val="0"/>
+              </a:spcBef>
+              <a:spcAft>
+                <a:spcPts val="0"/>
+              </a:spcAft>
+              <a:buNone/>
+            </a:pPr>
+            <a:r>
+              <a:rPr b="1" lang="en" sz="1800"/>
+              <a:t>Demonstration Audio</a:t>
+            </a:r>
+            <a:endParaRPr b="1" sz="1800"/>
+          </a:p>
+        </p:txBody>
+      </p:sp>
     </p:spTree>
   </p:cSld>
   <p:clrMapOvr>
@@ -9324,7 +9396,7 @@
   <p:cSld>
     <p:spTree>
       <p:nvGrpSpPr>
-        <p:cNvPr id="79" name="Shape 79"/>
+        <p:cNvPr id="81" name="Shape 81"/>
         <p:cNvGrpSpPr/>
         <p:nvPr/>
       </p:nvGrpSpPr>
@@ -9338,7 +9410,7 @@
       </p:grpSpPr>
       <p:sp>
         <p:nvSpPr>
-          <p:cNvPr id="80" name="Google Shape;80;p15"/>
+          <p:cNvPr id="82" name="Google Shape;82;p15"/>
           <p:cNvSpPr txBox="1"/>
           <p:nvPr/>
         </p:nvSpPr>
@@ -9416,7 +9488,7 @@
       </p:sp>
       <p:pic>
         <p:nvPicPr>
-          <p:cNvPr id="81" name="Google Shape;81;p15"/>
+          <p:cNvPr id="83" name="Google Shape;83;p15"/>
           <p:cNvPicPr preferRelativeResize="0"/>
           <p:nvPr/>
         </p:nvPicPr>
@@ -9450,7 +9522,7 @@
       </p:pic>
       <p:sp>
         <p:nvSpPr>
-          <p:cNvPr id="82" name="Google Shape;82;p15"/>
+          <p:cNvPr id="84" name="Google Shape;84;p15"/>
           <p:cNvSpPr txBox="1"/>
           <p:nvPr/>
         </p:nvSpPr>
@@ -9578,7 +9650,7 @@
       </p:sp>
       <p:sp>
         <p:nvSpPr>
-          <p:cNvPr id="83" name="Google Shape;83;p15"/>
+          <p:cNvPr id="85" name="Google Shape;85;p15"/>
           <p:cNvSpPr txBox="1"/>
           <p:nvPr/>
         </p:nvSpPr>
@@ -9631,7 +9703,7 @@
   <p:cSld>
     <p:spTree>
       <p:nvGrpSpPr>
-        <p:cNvPr id="87" name="Shape 87"/>
+        <p:cNvPr id="89" name="Shape 89"/>
         <p:cNvGrpSpPr/>
         <p:nvPr/>
       </p:nvGrpSpPr>
@@ -9645,7 +9717,7 @@
       </p:grpSpPr>
       <p:pic>
         <p:nvPicPr>
-          <p:cNvPr id="88" name="Google Shape;88;p16"/>
+          <p:cNvPr id="90" name="Google Shape;90;p16"/>
           <p:cNvPicPr preferRelativeResize="0"/>
           <p:nvPr/>
         </p:nvPicPr>
@@ -9679,7 +9751,7 @@
       </p:pic>
       <p:sp>
         <p:nvSpPr>
-          <p:cNvPr id="89" name="Google Shape;89;p16"/>
+          <p:cNvPr id="91" name="Google Shape;91;p16"/>
           <p:cNvSpPr txBox="1"/>
           <p:nvPr/>
         </p:nvSpPr>
@@ -9769,7 +9841,7 @@
       </p:sp>
       <p:sp>
         <p:nvSpPr>
-          <p:cNvPr id="90" name="Google Shape;90;p16"/>
+          <p:cNvPr id="92" name="Google Shape;92;p16"/>
           <p:cNvSpPr txBox="1"/>
           <p:nvPr/>
         </p:nvSpPr>
@@ -9811,7 +9883,7 @@
       </p:sp>
       <p:sp>
         <p:nvSpPr>
-          <p:cNvPr id="91" name="Google Shape;91;p16"/>
+          <p:cNvPr id="93" name="Google Shape;93;p16"/>
           <p:cNvSpPr txBox="1"/>
           <p:nvPr/>
         </p:nvSpPr>
@@ -9900,7 +9972,7 @@
   <p:cSld>
     <p:spTree>
       <p:nvGrpSpPr>
-        <p:cNvPr id="95" name="Shape 95"/>
+        <p:cNvPr id="97" name="Shape 97"/>
         <p:cNvGrpSpPr/>
         <p:nvPr/>
       </p:nvGrpSpPr>
@@ -9914,7 +9986,7 @@
       </p:grpSpPr>
       <p:pic>
         <p:nvPicPr>
-          <p:cNvPr id="96" name="Google Shape;96;p17"/>
+          <p:cNvPr id="98" name="Google Shape;98;p17"/>
           <p:cNvPicPr preferRelativeResize="0"/>
           <p:nvPr/>
         </p:nvPicPr>
@@ -9948,7 +10020,7 @@
       </p:pic>
       <p:sp>
         <p:nvSpPr>
-          <p:cNvPr id="97" name="Google Shape;97;p17"/>
+          <p:cNvPr id="99" name="Google Shape;99;p17"/>
           <p:cNvSpPr txBox="1"/>
           <p:nvPr/>
         </p:nvSpPr>
@@ -10204,7 +10276,7 @@
       </p:sp>
       <p:sp>
         <p:nvSpPr>
-          <p:cNvPr id="98" name="Google Shape;98;p17"/>
+          <p:cNvPr id="100" name="Google Shape;100;p17"/>
           <p:cNvSpPr txBox="1"/>
           <p:nvPr/>
         </p:nvSpPr>
@@ -10246,7 +10318,7 @@
       </p:sp>
       <p:sp>
         <p:nvSpPr>
-          <p:cNvPr id="99" name="Google Shape;99;p17"/>
+          <p:cNvPr id="101" name="Google Shape;101;p17"/>
           <p:cNvSpPr txBox="1"/>
           <p:nvPr/>
         </p:nvSpPr>
@@ -10335,7 +10407,7 @@
   <p:cSld>
     <p:spTree>
       <p:nvGrpSpPr>
-        <p:cNvPr id="103" name="Shape 103"/>
+        <p:cNvPr id="105" name="Shape 105"/>
         <p:cNvGrpSpPr/>
         <p:nvPr/>
       </p:nvGrpSpPr>
@@ -10349,7 +10421,7 @@
       </p:grpSpPr>
       <p:pic>
         <p:nvPicPr>
-          <p:cNvPr id="104" name="Google Shape;104;p18"/>
+          <p:cNvPr id="106" name="Google Shape;106;p18"/>
           <p:cNvPicPr preferRelativeResize="0"/>
           <p:nvPr/>
         </p:nvPicPr>
@@ -10383,7 +10455,7 @@
       </p:pic>
       <p:sp>
         <p:nvSpPr>
-          <p:cNvPr id="105" name="Google Shape;105;p18"/>
+          <p:cNvPr id="107" name="Google Shape;107;p18"/>
           <p:cNvSpPr txBox="1"/>
           <p:nvPr/>
         </p:nvSpPr>
@@ -10461,7 +10533,7 @@
       </p:sp>
       <p:sp>
         <p:nvSpPr>
-          <p:cNvPr id="106" name="Google Shape;106;p18"/>
+          <p:cNvPr id="108" name="Google Shape;108;p18"/>
           <p:cNvSpPr txBox="1"/>
           <p:nvPr/>
         </p:nvSpPr>
@@ -10561,7 +10633,7 @@
       </p:sp>
       <p:sp>
         <p:nvSpPr>
-          <p:cNvPr id="107" name="Google Shape;107;p18"/>
+          <p:cNvPr id="109" name="Google Shape;109;p18"/>
           <p:cNvSpPr txBox="1"/>
           <p:nvPr/>
         </p:nvSpPr>
@@ -10614,7 +10686,7 @@
   <p:cSld>
     <p:spTree>
       <p:nvGrpSpPr>
-        <p:cNvPr id="111" name="Shape 111"/>
+        <p:cNvPr id="113" name="Shape 113"/>
         <p:cNvGrpSpPr/>
         <p:nvPr/>
       </p:nvGrpSpPr>
@@ -10628,7 +10700,7 @@
       </p:grpSpPr>
       <p:pic>
         <p:nvPicPr>
-          <p:cNvPr id="112" name="Google Shape;112;p19"/>
+          <p:cNvPr id="114" name="Google Shape;114;p19"/>
           <p:cNvPicPr preferRelativeResize="0"/>
           <p:nvPr/>
         </p:nvPicPr>
@@ -10662,7 +10734,7 @@
       </p:pic>
       <p:sp>
         <p:nvSpPr>
-          <p:cNvPr id="113" name="Google Shape;113;p19"/>
+          <p:cNvPr id="115" name="Google Shape;115;p19"/>
           <p:cNvSpPr txBox="1"/>
           <p:nvPr/>
         </p:nvSpPr>
@@ -10740,7 +10812,7 @@
       </p:sp>
       <p:sp>
         <p:nvSpPr>
-          <p:cNvPr id="114" name="Google Shape;114;p19"/>
+          <p:cNvPr id="116" name="Google Shape;116;p19"/>
           <p:cNvSpPr txBox="1"/>
           <p:nvPr/>
         </p:nvSpPr>
@@ -10904,7 +10976,7 @@
       </p:sp>
       <p:sp>
         <p:nvSpPr>
-          <p:cNvPr id="115" name="Google Shape;115;p19"/>
+          <p:cNvPr id="117" name="Google Shape;117;p19"/>
           <p:cNvSpPr txBox="1"/>
           <p:nvPr/>
         </p:nvSpPr>
@@ -10957,7 +11029,7 @@
   <p:cSld>
     <p:spTree>
       <p:nvGrpSpPr>
-        <p:cNvPr id="119" name="Shape 119"/>
+        <p:cNvPr id="121" name="Shape 121"/>
         <p:cNvGrpSpPr/>
         <p:nvPr/>
       </p:nvGrpSpPr>
@@ -10971,7 +11043,7 @@
       </p:grpSpPr>
       <p:pic>
         <p:nvPicPr>
-          <p:cNvPr id="120" name="Google Shape;120;p20"/>
+          <p:cNvPr id="122" name="Google Shape;122;p20"/>
           <p:cNvPicPr preferRelativeResize="0"/>
           <p:nvPr/>
         </p:nvPicPr>
@@ -11005,7 +11077,7 @@
       </p:pic>
       <p:sp>
         <p:nvSpPr>
-          <p:cNvPr id="121" name="Google Shape;121;p20"/>
+          <p:cNvPr id="123" name="Google Shape;123;p20"/>
           <p:cNvSpPr txBox="1"/>
           <p:nvPr/>
         </p:nvSpPr>
@@ -11083,7 +11155,7 @@
       </p:sp>
       <p:sp>
         <p:nvSpPr>
-          <p:cNvPr id="122" name="Google Shape;122;p20"/>
+          <p:cNvPr id="124" name="Google Shape;124;p20"/>
           <p:cNvSpPr txBox="1"/>
           <p:nvPr/>
         </p:nvSpPr>
@@ -11217,7 +11289,7 @@
       </p:sp>
       <p:sp>
         <p:nvSpPr>
-          <p:cNvPr id="123" name="Google Shape;123;p20"/>
+          <p:cNvPr id="125" name="Google Shape;125;p20"/>
           <p:cNvSpPr txBox="1"/>
           <p:nvPr/>
         </p:nvSpPr>
@@ -11270,7 +11342,7 @@
   <p:cSld>
     <p:spTree>
       <p:nvGrpSpPr>
-        <p:cNvPr id="127" name="Shape 127"/>
+        <p:cNvPr id="129" name="Shape 129"/>
         <p:cNvGrpSpPr/>
         <p:nvPr/>
       </p:nvGrpSpPr>
@@ -11284,7 +11356,7 @@
       </p:grpSpPr>
       <p:pic>
         <p:nvPicPr>
-          <p:cNvPr id="128" name="Google Shape;128;p21"/>
+          <p:cNvPr id="130" name="Google Shape;130;p21"/>
           <p:cNvPicPr preferRelativeResize="0"/>
           <p:nvPr/>
         </p:nvPicPr>
@@ -11319,7 +11391,7 @@
       </p:pic>
       <p:sp>
         <p:nvSpPr>
-          <p:cNvPr id="129" name="Google Shape;129;p21"/>
+          <p:cNvPr id="131" name="Google Shape;131;p21"/>
           <p:cNvSpPr txBox="1"/>
           <p:nvPr/>
         </p:nvSpPr>
@@ -11397,7 +11469,7 @@
       </p:sp>
       <p:sp>
         <p:nvSpPr>
-          <p:cNvPr id="130" name="Google Shape;130;p21"/>
+          <p:cNvPr id="132" name="Google Shape;132;p21"/>
           <p:cNvSpPr txBox="1"/>
           <p:nvPr/>
         </p:nvSpPr>
@@ -11568,7 +11640,7 @@
       </p:sp>
       <p:sp>
         <p:nvSpPr>
-          <p:cNvPr id="131" name="Google Shape;131;p21"/>
+          <p:cNvPr id="133" name="Google Shape;133;p21"/>
           <p:cNvSpPr txBox="1"/>
           <p:nvPr/>
         </p:nvSpPr>
@@ -11617,6 +11689,285 @@
 </file>
 
 <file path=ppt/theme/theme1.xml><?xml version="1.0" encoding="utf-8"?>
+<a:theme xmlns:a="http://schemas.openxmlformats.org/drawingml/2006/main" xmlns:r="http://schemas.openxmlformats.org/officeDocument/2006/relationships" name="Tropic">
+  <a:themeElements>
+    <a:clrScheme name="Tropic">
+      <a:dk1>
+        <a:srgbClr val="A1E8D9"/>
+      </a:dk1>
+      <a:lt1>
+        <a:srgbClr val="FFFFFF"/>
+      </a:lt1>
+      <a:dk2>
+        <a:srgbClr val="695D46"/>
+      </a:dk2>
+      <a:lt2>
+        <a:srgbClr val="B3A77D"/>
+      </a:lt2>
+      <a:accent1>
+        <a:srgbClr val="EF6C00"/>
+      </a:accent1>
+      <a:accent2>
+        <a:srgbClr val="009668"/>
+      </a:accent2>
+      <a:accent3>
+        <a:srgbClr val="4DB6AC"/>
+      </a:accent3>
+      <a:accent4>
+        <a:srgbClr val="FF9800"/>
+      </a:accent4>
+      <a:accent5>
+        <a:srgbClr val="CE93D8"/>
+      </a:accent5>
+      <a:accent6>
+        <a:srgbClr val="EEFF41"/>
+      </a:accent6>
+      <a:hlink>
+        <a:srgbClr val="CE93D8"/>
+      </a:hlink>
+      <a:folHlink>
+        <a:srgbClr val="CE93D8"/>
+      </a:folHlink>
+    </a:clrScheme>
+    <a:fontScheme name="Office">
+      <a:majorFont>
+        <a:latin typeface="Arial"/>
+        <a:ea typeface=""/>
+        <a:cs typeface=""/>
+        <a:font script="Jpan" typeface="ＭＳ Ｐゴシック"/>
+        <a:font script="Hang" typeface="맑은 고딕"/>
+        <a:font script="Hans" typeface="宋体"/>
+        <a:font script="Hant" typeface="新細明體"/>
+        <a:font script="Arab" typeface="Times New Roman"/>
+        <a:font script="Hebr" typeface="Times New Roman"/>
+        <a:font script="Thai" typeface="Angsana New"/>
+        <a:font script="Ethi" typeface="Nyala"/>
+        <a:font script="Beng" typeface="Vrinda"/>
+        <a:font script="Gujr" typeface="Shruti"/>
+        <a:font script="Khmr" typeface="MoolBoran"/>
+        <a:font script="Knda" typeface="Tunga"/>
+        <a:font script="Guru" typeface="Raavi"/>
+        <a:font script="Cans" typeface="Euphemia"/>
+        <a:font script="Cher" typeface="Plantagenet Cherokee"/>
+        <a:font script="Yiii" typeface="Microsoft Yi Baiti"/>
+        <a:font script="Tibt" typeface="Microsoft Himalaya"/>
+        <a:font script="Thaa" typeface="MV Boli"/>
+        <a:font script="Deva" typeface="Mangal"/>
+        <a:font script="Telu" typeface="Gautami"/>
+        <a:font script="Taml" typeface="Latha"/>
+        <a:font script="Syrc" typeface="Estrangelo Edessa"/>
+        <a:font script="Orya" typeface="Kalinga"/>
+        <a:font script="Mlym" typeface="Kartika"/>
+        <a:font script="Laoo" typeface="DokChampa"/>
+        <a:font script="Sinh" typeface="Iskoola Pota"/>
+        <a:font script="Mong" typeface="Mongolian Baiti"/>
+        <a:font script="Viet" typeface="Times New Roman"/>
+        <a:font script="Uigh" typeface="Microsoft Uighur"/>
+        <a:font script="Geor" typeface="Sylfaen"/>
+      </a:majorFont>
+      <a:minorFont>
+        <a:latin typeface="Arial"/>
+        <a:ea typeface=""/>
+        <a:cs typeface=""/>
+        <a:font script="Jpan" typeface="ＭＳ Ｐゴシック"/>
+        <a:font script="Hang" typeface="맑은 고딕"/>
+        <a:font script="Hans" typeface="宋体"/>
+        <a:font script="Hant" typeface="新細明體"/>
+        <a:font script="Arab" typeface="Arial"/>
+        <a:font script="Hebr" typeface="Arial"/>
+        <a:font script="Thai" typeface="Cordia New"/>
+        <a:font script="Ethi" typeface="Nyala"/>
+        <a:font script="Beng" typeface="Vrinda"/>
+        <a:font script="Gujr" typeface="Shruti"/>
+        <a:font script="Khmr" typeface="DaunPenh"/>
+        <a:font script="Knda" typeface="Tunga"/>
+        <a:font script="Guru" typeface="Raavi"/>
+        <a:font script="Cans" typeface="Euphemia"/>
+        <a:font script="Cher" typeface="Plantagenet Cherokee"/>
+        <a:font script="Yiii" typeface="Microsoft Yi Baiti"/>
+        <a:font script="Tibt" typeface="Microsoft Himalaya"/>
+        <a:font script="Thaa" typeface="MV Boli"/>
+        <a:font script="Deva" typeface="Mangal"/>
+        <a:font script="Telu" typeface="Gautami"/>
+        <a:font script="Taml" typeface="Latha"/>
+        <a:font script="Syrc" typeface="Estrangelo Edessa"/>
+        <a:font script="Orya" typeface="Kalinga"/>
+        <a:font script="Mlym" typeface="Kartika"/>
+        <a:font script="Laoo" typeface="DokChampa"/>
+        <a:font script="Sinh" typeface="Iskoola Pota"/>
+        <a:font script="Mong" typeface="Mongolian Baiti"/>
+        <a:font script="Viet" typeface="Arial"/>
+        <a:font script="Uigh" typeface="Microsoft Uighur"/>
+        <a:font script="Geor" typeface="Sylfaen"/>
+      </a:minorFont>
+    </a:fontScheme>
+    <a:fmtScheme name="Office">
+      <a:fillStyleLst>
+        <a:solidFill>
+          <a:schemeClr val="phClr"/>
+        </a:solidFill>
+        <a:gradFill rotWithShape="1">
+          <a:gsLst>
+            <a:gs pos="0">
+              <a:schemeClr val="phClr">
+                <a:tint val="50000"/>
+                <a:satMod val="300000"/>
+              </a:schemeClr>
+            </a:gs>
+            <a:gs pos="35000">
+              <a:schemeClr val="phClr">
+                <a:tint val="37000"/>
+                <a:satMod val="300000"/>
+              </a:schemeClr>
+            </a:gs>
+            <a:gs pos="100000">
+              <a:schemeClr val="phClr">
+                <a:tint val="15000"/>
+                <a:satMod val="350000"/>
+              </a:schemeClr>
+            </a:gs>
+          </a:gsLst>
+          <a:lin ang="16200000" scaled="1"/>
+        </a:gradFill>
+        <a:gradFill rotWithShape="1">
+          <a:gsLst>
+            <a:gs pos="0">
+              <a:schemeClr val="phClr">
+                <a:tint val="100000"/>
+                <a:shade val="100000"/>
+                <a:satMod val="130000"/>
+              </a:schemeClr>
+            </a:gs>
+            <a:gs pos="100000">
+              <a:schemeClr val="phClr">
+                <a:tint val="50000"/>
+                <a:shade val="100000"/>
+                <a:satMod val="350000"/>
+              </a:schemeClr>
+            </a:gs>
+          </a:gsLst>
+          <a:lin ang="16200000" scaled="0"/>
+        </a:gradFill>
+      </a:fillStyleLst>
+      <a:lnStyleLst>
+        <a:ln w="9525" cap="flat" cmpd="sng" algn="ctr">
+          <a:solidFill>
+            <a:schemeClr val="phClr">
+              <a:shade val="95000"/>
+              <a:satMod val="105000"/>
+            </a:schemeClr>
+          </a:solidFill>
+          <a:prstDash val="solid"/>
+        </a:ln>
+        <a:ln w="25400" cap="flat" cmpd="sng" algn="ctr">
+          <a:solidFill>
+            <a:schemeClr val="phClr"/>
+          </a:solidFill>
+          <a:prstDash val="solid"/>
+        </a:ln>
+        <a:ln w="38100" cap="flat" cmpd="sng" algn="ctr">
+          <a:solidFill>
+            <a:schemeClr val="phClr"/>
+          </a:solidFill>
+          <a:prstDash val="solid"/>
+        </a:ln>
+      </a:lnStyleLst>
+      <a:effectStyleLst>
+        <a:effectStyle>
+          <a:effectLst>
+            <a:outerShdw blurRad="40000" dist="20000" dir="5400000" rotWithShape="0">
+              <a:srgbClr val="000000">
+                <a:alpha val="38000"/>
+              </a:srgbClr>
+            </a:outerShdw>
+          </a:effectLst>
+        </a:effectStyle>
+        <a:effectStyle>
+          <a:effectLst>
+            <a:outerShdw blurRad="40000" dist="23000" dir="5400000" rotWithShape="0">
+              <a:srgbClr val="000000">
+                <a:alpha val="35000"/>
+              </a:srgbClr>
+            </a:outerShdw>
+          </a:effectLst>
+        </a:effectStyle>
+        <a:effectStyle>
+          <a:effectLst>
+            <a:outerShdw blurRad="40000" dist="23000" dir="5400000" rotWithShape="0">
+              <a:srgbClr val="000000">
+                <a:alpha val="35000"/>
+              </a:srgbClr>
+            </a:outerShdw>
+          </a:effectLst>
+          <a:scene3d>
+            <a:camera prst="orthographicFront">
+              <a:rot lat="0" lon="0" rev="0"/>
+            </a:camera>
+            <a:lightRig rig="threePt" dir="t">
+              <a:rot lat="0" lon="0" rev="1200000"/>
+            </a:lightRig>
+          </a:scene3d>
+          <a:sp3d>
+            <a:bevelT w="63500" h="25400"/>
+          </a:sp3d>
+        </a:effectStyle>
+      </a:effectStyleLst>
+      <a:bgFillStyleLst>
+        <a:solidFill>
+          <a:schemeClr val="phClr"/>
+        </a:solidFill>
+        <a:gradFill rotWithShape="1">
+          <a:gsLst>
+            <a:gs pos="0">
+              <a:schemeClr val="phClr">
+                <a:tint val="40000"/>
+                <a:satMod val="350000"/>
+              </a:schemeClr>
+            </a:gs>
+            <a:gs pos="40000">
+              <a:schemeClr val="phClr">
+                <a:tint val="45000"/>
+                <a:shade val="99000"/>
+                <a:satMod val="350000"/>
+              </a:schemeClr>
+            </a:gs>
+            <a:gs pos="100000">
+              <a:schemeClr val="phClr">
+                <a:shade val="20000"/>
+                <a:satMod val="255000"/>
+              </a:schemeClr>
+            </a:gs>
+          </a:gsLst>
+          <a:path path="circle">
+            <a:fillToRect l="50000" t="-80000" r="50000" b="180000"/>
+          </a:path>
+        </a:gradFill>
+        <a:gradFill rotWithShape="1">
+          <a:gsLst>
+            <a:gs pos="0">
+              <a:schemeClr val="phClr">
+                <a:tint val="80000"/>
+                <a:satMod val="300000"/>
+              </a:schemeClr>
+            </a:gs>
+            <a:gs pos="100000">
+              <a:schemeClr val="phClr">
+                <a:shade val="30000"/>
+                <a:satMod val="200000"/>
+              </a:schemeClr>
+            </a:gs>
+          </a:gsLst>
+          <a:path path="circle">
+            <a:fillToRect l="50000" t="50000" r="50000" b="50000"/>
+          </a:path>
+        </a:gradFill>
+      </a:bgFillStyleLst>
+    </a:fmtScheme>
+  </a:themeElements>
+</a:theme>
+</file>
+
+<file path=ppt/theme/theme2.xml><?xml version="1.0" encoding="utf-8"?>
 <a:theme xmlns:a="http://schemas.openxmlformats.org/drawingml/2006/main" xmlns:r="http://schemas.openxmlformats.org/officeDocument/2006/relationships">
   <a:themeElements>
     <a:clrScheme name="Default">
@@ -11893,283 +12244,4 @@
     </a:fmtScheme>
   </a:themeElements>
 </a:theme>
-</file>
-
-<file path=ppt/theme/theme2.xml><?xml version="1.0" encoding="utf-8"?>
-<a:theme xmlns:a="http://schemas.openxmlformats.org/drawingml/2006/main" xmlns:r="http://schemas.openxmlformats.org/officeDocument/2006/relationships" name="Tropic">
-  <a:themeElements>
-    <a:clrScheme name="Tropic">
-      <a:dk1>
-        <a:srgbClr val="A1E8D9"/>
-      </a:dk1>
-      <a:lt1>
-        <a:srgbClr val="FFFFFF"/>
-      </a:lt1>
-      <a:dk2>
-        <a:srgbClr val="695D46"/>
-      </a:dk2>
-      <a:lt2>
-        <a:srgbClr val="B3A77D"/>
-      </a:lt2>
-      <a:accent1>
-        <a:srgbClr val="EF6C00"/>
-      </a:accent1>
-      <a:accent2>
-        <a:srgbClr val="009668"/>
-      </a:accent2>
-      <a:accent3>
-        <a:srgbClr val="4DB6AC"/>
-      </a:accent3>
-      <a:accent4>
-        <a:srgbClr val="FF9800"/>
-      </a:accent4>
-      <a:accent5>
-        <a:srgbClr val="CE93D8"/>
-      </a:accent5>
-      <a:accent6>
-        <a:srgbClr val="EEFF41"/>
-      </a:accent6>
-      <a:hlink>
-        <a:srgbClr val="CE93D8"/>
-      </a:hlink>
-      <a:folHlink>
-        <a:srgbClr val="CE93D8"/>
-      </a:folHlink>
-    </a:clrScheme>
-    <a:fontScheme name="Office">
-      <a:majorFont>
-        <a:latin typeface="Arial"/>
-        <a:ea typeface=""/>
-        <a:cs typeface=""/>
-        <a:font script="Jpan" typeface="ＭＳ Ｐゴシック"/>
-        <a:font script="Hang" typeface="맑은 고딕"/>
-        <a:font script="Hans" typeface="宋体"/>
-        <a:font script="Hant" typeface="新細明體"/>
-        <a:font script="Arab" typeface="Times New Roman"/>
-        <a:font script="Hebr" typeface="Times New Roman"/>
-        <a:font script="Thai" typeface="Angsana New"/>
-        <a:font script="Ethi" typeface="Nyala"/>
-        <a:font script="Beng" typeface="Vrinda"/>
-        <a:font script="Gujr" typeface="Shruti"/>
-        <a:font script="Khmr" typeface="MoolBoran"/>
-        <a:font script="Knda" typeface="Tunga"/>
-        <a:font script="Guru" typeface="Raavi"/>
-        <a:font script="Cans" typeface="Euphemia"/>
-        <a:font script="Cher" typeface="Plantagenet Cherokee"/>
-        <a:font script="Yiii" typeface="Microsoft Yi Baiti"/>
-        <a:font script="Tibt" typeface="Microsoft Himalaya"/>
-        <a:font script="Thaa" typeface="MV Boli"/>
-        <a:font script="Deva" typeface="Mangal"/>
-        <a:font script="Telu" typeface="Gautami"/>
-        <a:font script="Taml" typeface="Latha"/>
-        <a:font script="Syrc" typeface="Estrangelo Edessa"/>
-        <a:font script="Orya" typeface="Kalinga"/>
-        <a:font script="Mlym" typeface="Kartika"/>
-        <a:font script="Laoo" typeface="DokChampa"/>
-        <a:font script="Sinh" typeface="Iskoola Pota"/>
-        <a:font script="Mong" typeface="Mongolian Baiti"/>
-        <a:font script="Viet" typeface="Times New Roman"/>
-        <a:font script="Uigh" typeface="Microsoft Uighur"/>
-        <a:font script="Geor" typeface="Sylfaen"/>
-      </a:majorFont>
-      <a:minorFont>
-        <a:latin typeface="Arial"/>
-        <a:ea typeface=""/>
-        <a:cs typeface=""/>
-        <a:font script="Jpan" typeface="ＭＳ Ｐゴシック"/>
-        <a:font script="Hang" typeface="맑은 고딕"/>
-        <a:font script="Hans" typeface="宋体"/>
-        <a:font script="Hant" typeface="新細明體"/>
-        <a:font script="Arab" typeface="Arial"/>
-        <a:font script="Hebr" typeface="Arial"/>
-        <a:font script="Thai" typeface="Cordia New"/>
-        <a:font script="Ethi" typeface="Nyala"/>
-        <a:font script="Beng" typeface="Vrinda"/>
-        <a:font script="Gujr" typeface="Shruti"/>
-        <a:font script="Khmr" typeface="DaunPenh"/>
-        <a:font script="Knda" typeface="Tunga"/>
-        <a:font script="Guru" typeface="Raavi"/>
-        <a:font script="Cans" typeface="Euphemia"/>
-        <a:font script="Cher" typeface="Plantagenet Cherokee"/>
-        <a:font script="Yiii" typeface="Microsoft Yi Baiti"/>
-        <a:font script="Tibt" typeface="Microsoft Himalaya"/>
-        <a:font script="Thaa" typeface="MV Boli"/>
-        <a:font script="Deva" typeface="Mangal"/>
-        <a:font script="Telu" typeface="Gautami"/>
-        <a:font script="Taml" typeface="Latha"/>
-        <a:font script="Syrc" typeface="Estrangelo Edessa"/>
-        <a:font script="Orya" typeface="Kalinga"/>
-        <a:font script="Mlym" typeface="Kartika"/>
-        <a:font script="Laoo" typeface="DokChampa"/>
-        <a:font script="Sinh" typeface="Iskoola Pota"/>
-        <a:font script="Mong" typeface="Mongolian Baiti"/>
-        <a:font script="Viet" typeface="Arial"/>
-        <a:font script="Uigh" typeface="Microsoft Uighur"/>
-        <a:font script="Geor" typeface="Sylfaen"/>
-      </a:minorFont>
-    </a:fontScheme>
-    <a:fmtScheme name="Office">
-      <a:fillStyleLst>
-        <a:solidFill>
-          <a:schemeClr val="phClr"/>
-        </a:solidFill>
-        <a:gradFill rotWithShape="1">
-          <a:gsLst>
-            <a:gs pos="0">
-              <a:schemeClr val="phClr">
-                <a:tint val="50000"/>
-                <a:satMod val="300000"/>
-              </a:schemeClr>
-            </a:gs>
-            <a:gs pos="35000">
-              <a:schemeClr val="phClr">
-                <a:tint val="37000"/>
-                <a:satMod val="300000"/>
-              </a:schemeClr>
-            </a:gs>
-            <a:gs pos="100000">
-              <a:schemeClr val="phClr">
-                <a:tint val="15000"/>
-                <a:satMod val="350000"/>
-              </a:schemeClr>
-            </a:gs>
-          </a:gsLst>
-          <a:lin ang="16200000" scaled="1"/>
-        </a:gradFill>
-        <a:gradFill rotWithShape="1">
-          <a:gsLst>
-            <a:gs pos="0">
-              <a:schemeClr val="phClr">
-                <a:tint val="100000"/>
-                <a:shade val="100000"/>
-                <a:satMod val="130000"/>
-              </a:schemeClr>
-            </a:gs>
-            <a:gs pos="100000">
-              <a:schemeClr val="phClr">
-                <a:tint val="50000"/>
-                <a:shade val="100000"/>
-                <a:satMod val="350000"/>
-              </a:schemeClr>
-            </a:gs>
-          </a:gsLst>
-          <a:lin ang="16200000" scaled="0"/>
-        </a:gradFill>
-      </a:fillStyleLst>
-      <a:lnStyleLst>
-        <a:ln w="9525" cap="flat" cmpd="sng" algn="ctr">
-          <a:solidFill>
-            <a:schemeClr val="phClr">
-              <a:shade val="95000"/>
-              <a:satMod val="105000"/>
-            </a:schemeClr>
-          </a:solidFill>
-          <a:prstDash val="solid"/>
-        </a:ln>
-        <a:ln w="25400" cap="flat" cmpd="sng" algn="ctr">
-          <a:solidFill>
-            <a:schemeClr val="phClr"/>
-          </a:solidFill>
-          <a:prstDash val="solid"/>
-        </a:ln>
-        <a:ln w="38100" cap="flat" cmpd="sng" algn="ctr">
-          <a:solidFill>
-            <a:schemeClr val="phClr"/>
-          </a:solidFill>
-          <a:prstDash val="solid"/>
-        </a:ln>
-      </a:lnStyleLst>
-      <a:effectStyleLst>
-        <a:effectStyle>
-          <a:effectLst>
-            <a:outerShdw blurRad="40000" dist="20000" dir="5400000" rotWithShape="0">
-              <a:srgbClr val="000000">
-                <a:alpha val="38000"/>
-              </a:srgbClr>
-            </a:outerShdw>
-          </a:effectLst>
-        </a:effectStyle>
-        <a:effectStyle>
-          <a:effectLst>
-            <a:outerShdw blurRad="40000" dist="23000" dir="5400000" rotWithShape="0">
-              <a:srgbClr val="000000">
-                <a:alpha val="35000"/>
-              </a:srgbClr>
-            </a:outerShdw>
-          </a:effectLst>
-        </a:effectStyle>
-        <a:effectStyle>
-          <a:effectLst>
-            <a:outerShdw blurRad="40000" dist="23000" dir="5400000" rotWithShape="0">
-              <a:srgbClr val="000000">
-                <a:alpha val="35000"/>
-              </a:srgbClr>
-            </a:outerShdw>
-          </a:effectLst>
-          <a:scene3d>
-            <a:camera prst="orthographicFront">
-              <a:rot lat="0" lon="0" rev="0"/>
-            </a:camera>
-            <a:lightRig rig="threePt" dir="t">
-              <a:rot lat="0" lon="0" rev="1200000"/>
-            </a:lightRig>
-          </a:scene3d>
-          <a:sp3d>
-            <a:bevelT w="63500" h="25400"/>
-          </a:sp3d>
-        </a:effectStyle>
-      </a:effectStyleLst>
-      <a:bgFillStyleLst>
-        <a:solidFill>
-          <a:schemeClr val="phClr"/>
-        </a:solidFill>
-        <a:gradFill rotWithShape="1">
-          <a:gsLst>
-            <a:gs pos="0">
-              <a:schemeClr val="phClr">
-                <a:tint val="40000"/>
-                <a:satMod val="350000"/>
-              </a:schemeClr>
-            </a:gs>
-            <a:gs pos="40000">
-              <a:schemeClr val="phClr">
-                <a:tint val="45000"/>
-                <a:shade val="99000"/>
-                <a:satMod val="350000"/>
-              </a:schemeClr>
-            </a:gs>
-            <a:gs pos="100000">
-              <a:schemeClr val="phClr">
-                <a:shade val="20000"/>
-                <a:satMod val="255000"/>
-              </a:schemeClr>
-            </a:gs>
-          </a:gsLst>
-          <a:path path="circle">
-            <a:fillToRect l="50000" t="-80000" r="50000" b="180000"/>
-          </a:path>
-        </a:gradFill>
-        <a:gradFill rotWithShape="1">
-          <a:gsLst>
-            <a:gs pos="0">
-              <a:schemeClr val="phClr">
-                <a:tint val="80000"/>
-                <a:satMod val="300000"/>
-              </a:schemeClr>
-            </a:gs>
-            <a:gs pos="100000">
-              <a:schemeClr val="phClr">
-                <a:shade val="30000"/>
-                <a:satMod val="200000"/>
-              </a:schemeClr>
-            </a:gs>
-          </a:gsLst>
-          <a:path path="circle">
-            <a:fillToRect l="50000" t="50000" r="50000" b="50000"/>
-          </a:path>
-        </a:gradFill>
-      </a:bgFillStyleLst>
-    </a:fmtScheme>
-  </a:themeElements>
-</a:theme>
 </file>
--- a/paper/presentation/DeepSched Presentation.pptx
+++ b/paper/presentation/DeepSched Presentation.pptx
@@ -7566,7 +7566,7 @@
             <a:tbl>
               <a:tblPr>
                 <a:noFill/>
-                <a:tableStyleId>{2A60BA76-16B8-4DC4-90E4-4007C5786BCF}</a:tableStyleId>
+                <a:tableStyleId>{F28068A6-E4DA-458C-AD8B-34B4A40075B0}</a:tableStyleId>
               </a:tblPr>
               <a:tblGrid>
                 <a:gridCol w="1120225"/>
@@ -9205,37 +9205,9 @@
           </a:ln>
         </p:spPr>
       </p:pic>
-      <p:pic>
-        <p:nvPicPr>
-          <p:cNvPr id="74" name="Google Shape;74;p14"/>
-          <p:cNvPicPr preferRelativeResize="0"/>
-          <p:nvPr/>
-        </p:nvPicPr>
-        <p:blipFill>
-          <a:blip r:embed="rId4">
-            <a:alphaModFix/>
-          </a:blip>
-          <a:stretch>
-            <a:fillRect/>
-          </a:stretch>
-        </p:blipFill>
-        <p:spPr>
-          <a:xfrm>
-            <a:off x="595300" y="1571625"/>
-            <a:ext cx="7953375" cy="2000250"/>
-          </a:xfrm>
-          <a:prstGeom prst="rect">
-            <a:avLst/>
-          </a:prstGeom>
-          <a:noFill/>
-          <a:ln>
-            <a:noFill/>
-          </a:ln>
-        </p:spPr>
-      </p:pic>
       <p:sp>
         <p:nvSpPr>
-          <p:cNvPr id="75" name="Google Shape;75;p14"/>
+          <p:cNvPr id="74" name="Google Shape;74;p14"/>
           <p:cNvSpPr txBox="1"/>
           <p:nvPr/>
         </p:nvSpPr>
@@ -9313,14 +9285,14 @@
       </p:sp>
       <p:pic>
         <p:nvPicPr>
-          <p:cNvPr id="76" name="Google Shape;76;p14" title="record.wav">
-            <a:hlinkClick r:id="rId5"/>
+          <p:cNvPr id="75" name="Google Shape;75;p14" title="record.wav">
+            <a:hlinkClick r:id="rId4"/>
           </p:cNvPr>
           <p:cNvPicPr preferRelativeResize="0"/>
           <p:nvPr/>
         </p:nvPicPr>
         <p:blipFill>
-          <a:blip r:embed="rId6">
+          <a:blip r:embed="rId5">
             <a:alphaModFix/>
           </a:blip>
           <a:stretch>
@@ -9329,7 +9301,7 @@
         </p:blipFill>
         <p:spPr>
           <a:xfrm>
-            <a:off x="4343400" y="3954350"/>
+            <a:off x="4343400" y="4216275"/>
             <a:ext cx="457200" cy="457200"/>
           </a:xfrm>
           <a:prstGeom prst="rect">
@@ -9343,7 +9315,7 @@
       </p:pic>
       <p:sp>
         <p:nvSpPr>
-          <p:cNvPr id="77" name="Google Shape;77;p14"/>
+          <p:cNvPr id="76" name="Google Shape;76;p14"/>
           <p:cNvSpPr txBox="1"/>
           <p:nvPr/>
         </p:nvSpPr>
@@ -9383,6 +9355,34 @@
           </a:p>
         </p:txBody>
       </p:sp>
+      <p:pic>
+        <p:nvPicPr>
+          <p:cNvPr id="77" name="Google Shape;77;p14"/>
+          <p:cNvPicPr preferRelativeResize="0"/>
+          <p:nvPr/>
+        </p:nvPicPr>
+        <p:blipFill>
+          <a:blip r:embed="rId6">
+            <a:alphaModFix/>
+          </a:blip>
+          <a:stretch>
+            <a:fillRect/>
+          </a:stretch>
+        </p:blipFill>
+        <p:spPr>
+          <a:xfrm>
+            <a:off x="940725" y="1104163"/>
+            <a:ext cx="7262562" cy="2935175"/>
+          </a:xfrm>
+          <a:prstGeom prst="rect">
+            <a:avLst/>
+          </a:prstGeom>
+          <a:noFill/>
+          <a:ln>
+            <a:noFill/>
+          </a:ln>
+        </p:spPr>
+      </p:pic>
     </p:spTree>
   </p:cSld>
   <p:clrMapOvr>

--- a/paper/presentation/DeepSched Presentation.pptx
+++ b/paper/presentation/DeepSched Presentation.pptx
@@ -7566,7 +7566,7 @@
             <a:tbl>
               <a:tblPr>
                 <a:noFill/>
-                <a:tableStyleId>{F28068A6-E4DA-458C-AD8B-34B4A40075B0}</a:tableStyleId>
+                <a:tableStyleId>{E711A77C-420F-40F7-A6A0-CD51D0248F2E}</a:tableStyleId>
               </a:tblPr>
               <a:tblGrid>
                 <a:gridCol w="1120225"/>
@@ -9361,13 +9361,12 @@
           <p:cNvPicPr preferRelativeResize="0"/>
           <p:nvPr/>
         </p:nvPicPr>
-        <p:blipFill>
+        <p:blipFill rotWithShape="1">
           <a:blip r:embed="rId6">
             <a:alphaModFix/>
           </a:blip>
-          <a:stretch>
-            <a:fillRect/>
-          </a:stretch>
+          <a:srcRect b="0" l="268" r="278" t="0"/>
+          <a:stretch/>
         </p:blipFill>
         <p:spPr>
           <a:xfrm>
@@ -11689,6 +11688,285 @@
 </file>
 
 <file path=ppt/theme/theme1.xml><?xml version="1.0" encoding="utf-8"?>
+<a:theme xmlns:a="http://schemas.openxmlformats.org/drawingml/2006/main" xmlns:r="http://schemas.openxmlformats.org/officeDocument/2006/relationships">
+  <a:themeElements>
+    <a:clrScheme name="Default">
+      <a:dk1>
+        <a:srgbClr val="000000"/>
+      </a:dk1>
+      <a:lt1>
+        <a:srgbClr val="FFFFFF"/>
+      </a:lt1>
+      <a:dk2>
+        <a:srgbClr val="158158"/>
+      </a:dk2>
+      <a:lt2>
+        <a:srgbClr val="F3F3F3"/>
+      </a:lt2>
+      <a:accent1>
+        <a:srgbClr val="058DC7"/>
+      </a:accent1>
+      <a:accent2>
+        <a:srgbClr val="50B432"/>
+      </a:accent2>
+      <a:accent3>
+        <a:srgbClr val="ED561B"/>
+      </a:accent3>
+      <a:accent4>
+        <a:srgbClr val="EDEF00"/>
+      </a:accent4>
+      <a:accent5>
+        <a:srgbClr val="24CBE5"/>
+      </a:accent5>
+      <a:accent6>
+        <a:srgbClr val="64E572"/>
+      </a:accent6>
+      <a:hlink>
+        <a:srgbClr val="2200CC"/>
+      </a:hlink>
+      <a:folHlink>
+        <a:srgbClr val="551A8B"/>
+      </a:folHlink>
+    </a:clrScheme>
+    <a:fontScheme name="Office">
+      <a:majorFont>
+        <a:latin typeface="Arial"/>
+        <a:ea typeface=""/>
+        <a:cs typeface=""/>
+        <a:font script="Jpan" typeface="ＭＳ Ｐゴシック"/>
+        <a:font script="Hang" typeface="맑은 고딕"/>
+        <a:font script="Hans" typeface="宋体"/>
+        <a:font script="Hant" typeface="新細明體"/>
+        <a:font script="Arab" typeface="Times New Roman"/>
+        <a:font script="Hebr" typeface="Times New Roman"/>
+        <a:font script="Thai" typeface="Angsana New"/>
+        <a:font script="Ethi" typeface="Nyala"/>
+        <a:font script="Beng" typeface="Vrinda"/>
+        <a:font script="Gujr" typeface="Shruti"/>
+        <a:font script="Khmr" typeface="MoolBoran"/>
+        <a:font script="Knda" typeface="Tunga"/>
+        <a:font script="Guru" typeface="Raavi"/>
+        <a:font script="Cans" typeface="Euphemia"/>
+        <a:font script="Cher" typeface="Plantagenet Cherokee"/>
+        <a:font script="Yiii" typeface="Microsoft Yi Baiti"/>
+        <a:font script="Tibt" typeface="Microsoft Himalaya"/>
+        <a:font script="Thaa" typeface="MV Boli"/>
+        <a:font script="Deva" typeface="Mangal"/>
+        <a:font script="Telu" typeface="Gautami"/>
+        <a:font script="Taml" typeface="Latha"/>
+        <a:font script="Syrc" typeface="Estrangelo Edessa"/>
+        <a:font script="Orya" typeface="Kalinga"/>
+        <a:font script="Mlym" typeface="Kartika"/>
+        <a:font script="Laoo" typeface="DokChampa"/>
+        <a:font script="Sinh" typeface="Iskoola Pota"/>
+        <a:font script="Mong" typeface="Mongolian Baiti"/>
+        <a:font script="Viet" typeface="Times New Roman"/>
+        <a:font script="Uigh" typeface="Microsoft Uighur"/>
+        <a:font script="Geor" typeface="Sylfaen"/>
+      </a:majorFont>
+      <a:minorFont>
+        <a:latin typeface="Arial"/>
+        <a:ea typeface=""/>
+        <a:cs typeface=""/>
+        <a:font script="Jpan" typeface="ＭＳ Ｐゴシック"/>
+        <a:font script="Hang" typeface="맑은 고딕"/>
+        <a:font script="Hans" typeface="宋体"/>
+        <a:font script="Hant" typeface="新細明體"/>
+        <a:font script="Arab" typeface="Arial"/>
+        <a:font script="Hebr" typeface="Arial"/>
+        <a:font script="Thai" typeface="Cordia New"/>
+        <a:font script="Ethi" typeface="Nyala"/>
+        <a:font script="Beng" typeface="Vrinda"/>
+        <a:font script="Gujr" typeface="Shruti"/>
+        <a:font script="Khmr" typeface="DaunPenh"/>
+        <a:font script="Knda" typeface="Tunga"/>
+        <a:font script="Guru" typeface="Raavi"/>
+        <a:font script="Cans" typeface="Euphemia"/>
+        <a:font script="Cher" typeface="Plantagenet Cherokee"/>
+        <a:font script="Yiii" typeface="Microsoft Yi Baiti"/>
+        <a:font script="Tibt" typeface="Microsoft Himalaya"/>
+        <a:font script="Thaa" typeface="MV Boli"/>
+        <a:font script="Deva" typeface="Mangal"/>
+        <a:font script="Telu" typeface="Gautami"/>
+        <a:font script="Taml" typeface="Latha"/>
+        <a:font script="Syrc" typeface="Estrangelo Edessa"/>
+        <a:font script="Orya" typeface="Kalinga"/>
+        <a:font script="Mlym" typeface="Kartika"/>
+        <a:font script="Laoo" typeface="DokChampa"/>
+        <a:font script="Sinh" typeface="Iskoola Pota"/>
+        <a:font script="Mong" typeface="Mongolian Baiti"/>
+        <a:font script="Viet" typeface="Arial"/>
+        <a:font script="Uigh" typeface="Microsoft Uighur"/>
+        <a:font script="Geor" typeface="Sylfaen"/>
+      </a:minorFont>
+    </a:fontScheme>
+    <a:fmtScheme name="Office">
+      <a:fillStyleLst>
+        <a:solidFill>
+          <a:schemeClr val="phClr"/>
+        </a:solidFill>
+        <a:gradFill rotWithShape="1">
+          <a:gsLst>
+            <a:gs pos="0">
+              <a:schemeClr val="phClr">
+                <a:tint val="50000"/>
+                <a:satMod val="300000"/>
+              </a:schemeClr>
+            </a:gs>
+            <a:gs pos="35000">
+              <a:schemeClr val="phClr">
+                <a:tint val="37000"/>
+                <a:satMod val="300000"/>
+              </a:schemeClr>
+            </a:gs>
+            <a:gs pos="100000">
+              <a:schemeClr val="phClr">
+                <a:tint val="15000"/>
+                <a:satMod val="350000"/>
+              </a:schemeClr>
+            </a:gs>
+          </a:gsLst>
+          <a:lin ang="16200000" scaled="1"/>
+        </a:gradFill>
+        <a:gradFill rotWithShape="1">
+          <a:gsLst>
+            <a:gs pos="0">
+              <a:schemeClr val="phClr">
+                <a:tint val="100000"/>
+                <a:shade val="100000"/>
+                <a:satMod val="130000"/>
+              </a:schemeClr>
+            </a:gs>
+            <a:gs pos="100000">
+              <a:schemeClr val="phClr">
+                <a:tint val="50000"/>
+                <a:shade val="100000"/>
+                <a:satMod val="350000"/>
+              </a:schemeClr>
+            </a:gs>
+          </a:gsLst>
+          <a:lin ang="16200000" scaled="0"/>
+        </a:gradFill>
+      </a:fillStyleLst>
+      <a:lnStyleLst>
+        <a:ln w="9525" cap="flat" cmpd="sng" algn="ctr">
+          <a:solidFill>
+            <a:schemeClr val="phClr">
+              <a:shade val="95000"/>
+              <a:satMod val="105000"/>
+            </a:schemeClr>
+          </a:solidFill>
+          <a:prstDash val="solid"/>
+        </a:ln>
+        <a:ln w="25400" cap="flat" cmpd="sng" algn="ctr">
+          <a:solidFill>
+            <a:schemeClr val="phClr"/>
+          </a:solidFill>
+          <a:prstDash val="solid"/>
+        </a:ln>
+        <a:ln w="38100" cap="flat" cmpd="sng" algn="ctr">
+          <a:solidFill>
+            <a:schemeClr val="phClr"/>
+          </a:solidFill>
+          <a:prstDash val="solid"/>
+        </a:ln>
+      </a:lnStyleLst>
+      <a:effectStyleLst>
+        <a:effectStyle>
+          <a:effectLst>
+            <a:outerShdw blurRad="40000" dist="20000" dir="5400000" rotWithShape="0">
+              <a:srgbClr val="000000">
+                <a:alpha val="38000"/>
+              </a:srgbClr>
+            </a:outerShdw>
+          </a:effectLst>
+        </a:effectStyle>
+        <a:effectStyle>
+          <a:effectLst>
+            <a:outerShdw blurRad="40000" dist="23000" dir="5400000" rotWithShape="0">
+              <a:srgbClr val="000000">
+                <a:alpha val="35000"/>
+              </a:srgbClr>
+            </a:outerShdw>
+          </a:effectLst>
+        </a:effectStyle>
+        <a:effectStyle>
+          <a:effectLst>
+            <a:outerShdw blurRad="40000" dist="23000" dir="5400000" rotWithShape="0">
+              <a:srgbClr val="000000">
+                <a:alpha val="35000"/>
+              </a:srgbClr>
+            </a:outerShdw>
+          </a:effectLst>
+          <a:scene3d>
+            <a:camera prst="orthographicFront">
+              <a:rot lat="0" lon="0" rev="0"/>
+            </a:camera>
+            <a:lightRig rig="threePt" dir="t">
+              <a:rot lat="0" lon="0" rev="1200000"/>
+            </a:lightRig>
+          </a:scene3d>
+          <a:sp3d>
+            <a:bevelT w="63500" h="25400"/>
+          </a:sp3d>
+        </a:effectStyle>
+      </a:effectStyleLst>
+      <a:bgFillStyleLst>
+        <a:solidFill>
+          <a:schemeClr val="phClr"/>
+        </a:solidFill>
+        <a:gradFill rotWithShape="1">
+          <a:gsLst>
+            <a:gs pos="0">
+              <a:schemeClr val="phClr">
+                <a:tint val="40000"/>
+                <a:satMod val="350000"/>
+              </a:schemeClr>
+            </a:gs>
+            <a:gs pos="40000">
+              <a:schemeClr val="phClr">
+                <a:tint val="45000"/>
+                <a:shade val="99000"/>
+                <a:satMod val="350000"/>
+              </a:schemeClr>
+            </a:gs>
+            <a:gs pos="100000">
+              <a:schemeClr val="phClr">
+                <a:shade val="20000"/>
+                <a:satMod val="255000"/>
+              </a:schemeClr>
+            </a:gs>
+          </a:gsLst>
+          <a:path path="circle">
+            <a:fillToRect l="50000" t="-80000" r="50000" b="180000"/>
+          </a:path>
+        </a:gradFill>
+        <a:gradFill rotWithShape="1">
+          <a:gsLst>
+            <a:gs pos="0">
+              <a:schemeClr val="phClr">
+                <a:tint val="80000"/>
+                <a:satMod val="300000"/>
+              </a:schemeClr>
+            </a:gs>
+            <a:gs pos="100000">
+              <a:schemeClr val="phClr">
+                <a:shade val="30000"/>
+                <a:satMod val="200000"/>
+              </a:schemeClr>
+            </a:gs>
+          </a:gsLst>
+          <a:path path="circle">
+            <a:fillToRect l="50000" t="50000" r="50000" b="50000"/>
+          </a:path>
+        </a:gradFill>
+      </a:bgFillStyleLst>
+    </a:fmtScheme>
+  </a:themeElements>
+</a:theme>
+</file>
+
+<file path=ppt/theme/theme2.xml><?xml version="1.0" encoding="utf-8"?>
 <a:theme xmlns:a="http://schemas.openxmlformats.org/drawingml/2006/main" xmlns:r="http://schemas.openxmlformats.org/officeDocument/2006/relationships" name="Tropic">
   <a:themeElements>
     <a:clrScheme name="Tropic">
@@ -11965,283 +12243,4 @@
     </a:fmtScheme>
   </a:themeElements>
 </a:theme>
-</file>
-
-<file path=ppt/theme/theme2.xml><?xml version="1.0" encoding="utf-8"?>
-<a:theme xmlns:a="http://schemas.openxmlformats.org/drawingml/2006/main" xmlns:r="http://schemas.openxmlformats.org/officeDocument/2006/relationships">
-  <a:themeElements>
-    <a:clrScheme name="Default">
-      <a:dk1>
-        <a:srgbClr val="000000"/>
-      </a:dk1>
-      <a:lt1>
-        <a:srgbClr val="FFFFFF"/>
-      </a:lt1>
-      <a:dk2>
-        <a:srgbClr val="158158"/>
-      </a:dk2>
-      <a:lt2>
-        <a:srgbClr val="F3F3F3"/>
-      </a:lt2>
-      <a:accent1>
-        <a:srgbClr val="058DC7"/>
-      </a:accent1>
-      <a:accent2>
-        <a:srgbClr val="50B432"/>
-      </a:accent2>
-      <a:accent3>
-        <a:srgbClr val="ED561B"/>
-      </a:accent3>
-      <a:accent4>
-        <a:srgbClr val="EDEF00"/>
-      </a:accent4>
-      <a:accent5>
-        <a:srgbClr val="24CBE5"/>
-      </a:accent5>
-      <a:accent6>
-        <a:srgbClr val="64E572"/>
-      </a:accent6>
-      <a:hlink>
-        <a:srgbClr val="2200CC"/>
-      </a:hlink>
-      <a:folHlink>
-        <a:srgbClr val="551A8B"/>
-      </a:folHlink>
-    </a:clrScheme>
-    <a:fontScheme name="Office">
-      <a:majorFont>
-        <a:latin typeface="Arial"/>
-        <a:ea typeface=""/>
-        <a:cs typeface=""/>
-        <a:font script="Jpan" typeface="ＭＳ Ｐゴシック"/>
-        <a:font script="Hang" typeface="맑은 고딕"/>
-        <a:font script="Hans" typeface="宋体"/>
-        <a:font script="Hant" typeface="新細明體"/>
-        <a:font script="Arab" typeface="Times New Roman"/>
-        <a:font script="Hebr" typeface="Times New Roman"/>
-        <a:font script="Thai" typeface="Angsana New"/>
-        <a:font script="Ethi" typeface="Nyala"/>
-        <a:font script="Beng" typeface="Vrinda"/>
-        <a:font script="Gujr" typeface="Shruti"/>
-        <a:font script="Khmr" typeface="MoolBoran"/>
-        <a:font script="Knda" typeface="Tunga"/>
-        <a:font script="Guru" typeface="Raavi"/>
-        <a:font script="Cans" typeface="Euphemia"/>
-        <a:font script="Cher" typeface="Plantagenet Cherokee"/>
-        <a:font script="Yiii" typeface="Microsoft Yi Baiti"/>
-        <a:font script="Tibt" typeface="Microsoft Himalaya"/>
-        <a:font script="Thaa" typeface="MV Boli"/>
-        <a:font script="Deva" typeface="Mangal"/>
-        <a:font script="Telu" typeface="Gautami"/>
-        <a:font script="Taml" typeface="Latha"/>
-        <a:font script="Syrc" typeface="Estrangelo Edessa"/>
-        <a:font script="Orya" typeface="Kalinga"/>
-        <a:font script="Mlym" typeface="Kartika"/>
-        <a:font script="Laoo" typeface="DokChampa"/>
-        <a:font script="Sinh" typeface="Iskoola Pota"/>
-        <a:font script="Mong" typeface="Mongolian Baiti"/>
-        <a:font script="Viet" typeface="Times New Roman"/>
-        <a:font script="Uigh" typeface="Microsoft Uighur"/>
-        <a:font script="Geor" typeface="Sylfaen"/>
-      </a:majorFont>
-      <a:minorFont>
-        <a:latin typeface="Arial"/>
-        <a:ea typeface=""/>
-        <a:cs typeface=""/>
-        <a:font script="Jpan" typeface="ＭＳ Ｐゴシック"/>
-        <a:font script="Hang" typeface="맑은 고딕"/>
-        <a:font script="Hans" typeface="宋体"/>
-        <a:font script="Hant" typeface="新細明體"/>
-        <a:font script="Arab" typeface="Arial"/>
-        <a:font script="Hebr" typeface="Arial"/>
-        <a:font script="Thai" typeface="Cordia New"/>
-        <a:font script="Ethi" typeface="Nyala"/>
-        <a:font script="Beng" typeface="Vrinda"/>
-        <a:font script="Gujr" typeface="Shruti"/>
-        <a:font script="Khmr" typeface="DaunPenh"/>
-        <a:font script="Knda" typeface="Tunga"/>
-        <a:font script="Guru" typeface="Raavi"/>
-        <a:font script="Cans" typeface="Euphemia"/>
-        <a:font script="Cher" typeface="Plantagenet Cherokee"/>
-        <a:font script="Yiii" typeface="Microsoft Yi Baiti"/>
-        <a:font script="Tibt" typeface="Microsoft Himalaya"/>
-        <a:font script="Thaa" typeface="MV Boli"/>
-        <a:font script="Deva" typeface="Mangal"/>
-        <a:font script="Telu" typeface="Gautami"/>
-        <a:font script="Taml" typeface="Latha"/>
-        <a:font script="Syrc" typeface="Estrangelo Edessa"/>
-        <a:font script="Orya" typeface="Kalinga"/>
-        <a:font script="Mlym" typeface="Kartika"/>
-        <a:font script="Laoo" typeface="DokChampa"/>
-        <a:font script="Sinh" typeface="Iskoola Pota"/>
-        <a:font script="Mong" typeface="Mongolian Baiti"/>
-        <a:font script="Viet" typeface="Arial"/>
-        <a:font script="Uigh" typeface="Microsoft Uighur"/>
-        <a:font script="Geor" typeface="Sylfaen"/>
-      </a:minorFont>
-    </a:fontScheme>
-    <a:fmtScheme name="Office">
-      <a:fillStyleLst>
-        <a:solidFill>
-          <a:schemeClr val="phClr"/>
-        </a:solidFill>
-        <a:gradFill rotWithShape="1">
-          <a:gsLst>
-            <a:gs pos="0">
-              <a:schemeClr val="phClr">
-                <a:tint val="50000"/>
-                <a:satMod val="300000"/>
-              </a:schemeClr>
-            </a:gs>
-            <a:gs pos="35000">
-              <a:schemeClr val="phClr">
-                <a:tint val="37000"/>
-                <a:satMod val="300000"/>
-              </a:schemeClr>
-            </a:gs>
-            <a:gs pos="100000">
-              <a:schemeClr val="phClr">
-                <a:tint val="15000"/>
-                <a:satMod val="350000"/>
-              </a:schemeClr>
-            </a:gs>
-          </a:gsLst>
-          <a:lin ang="16200000" scaled="1"/>
-        </a:gradFill>
-        <a:gradFill rotWithShape="1">
-          <a:gsLst>
-            <a:gs pos="0">
-              <a:schemeClr val="phClr">
-                <a:tint val="100000"/>
-                <a:shade val="100000"/>
-                <a:satMod val="130000"/>
-              </a:schemeClr>
-            </a:gs>
-            <a:gs pos="100000">
-              <a:schemeClr val="phClr">
-                <a:tint val="50000"/>
-                <a:shade val="100000"/>
-                <a:satMod val="350000"/>
-              </a:schemeClr>
-            </a:gs>
-          </a:gsLst>
-          <a:lin ang="16200000" scaled="0"/>
-        </a:gradFill>
-      </a:fillStyleLst>
-      <a:lnStyleLst>
-        <a:ln w="9525" cap="flat" cmpd="sng" algn="ctr">
-          <a:solidFill>
-            <a:schemeClr val="phClr">
-              <a:shade val="95000"/>
-              <a:satMod val="105000"/>
-            </a:schemeClr>
-          </a:solidFill>
-          <a:prstDash val="solid"/>
-        </a:ln>
-        <a:ln w="25400" cap="flat" cmpd="sng" algn="ctr">
-          <a:solidFill>
-            <a:schemeClr val="phClr"/>
-          </a:solidFill>
-          <a:prstDash val="solid"/>
-        </a:ln>
-        <a:ln w="38100" cap="flat" cmpd="sng" algn="ctr">
-          <a:solidFill>
-            <a:schemeClr val="phClr"/>
-          </a:solidFill>
-          <a:prstDash val="solid"/>
-        </a:ln>
-      </a:lnStyleLst>
-      <a:effectStyleLst>
-        <a:effectStyle>
-          <a:effectLst>
-            <a:outerShdw blurRad="40000" dist="20000" dir="5400000" rotWithShape="0">
-              <a:srgbClr val="000000">
-                <a:alpha val="38000"/>
-              </a:srgbClr>
-            </a:outerShdw>
-          </a:effectLst>
-        </a:effectStyle>
-        <a:effectStyle>
-          <a:effectLst>
-            <a:outerShdw blurRad="40000" dist="23000" dir="5400000" rotWithShape="0">
-              <a:srgbClr val="000000">
-                <a:alpha val="35000"/>
-              </a:srgbClr>
-            </a:outerShdw>
-          </a:effectLst>
-        </a:effectStyle>
-        <a:effectStyle>
-          <a:effectLst>
-            <a:outerShdw blurRad="40000" dist="23000" dir="5400000" rotWithShape="0">
-              <a:srgbClr val="000000">
-                <a:alpha val="35000"/>
-              </a:srgbClr>
-            </a:outerShdw>
-          </a:effectLst>
-          <a:scene3d>
-            <a:camera prst="orthographicFront">
-              <a:rot lat="0" lon="0" rev="0"/>
-            </a:camera>
-            <a:lightRig rig="threePt" dir="t">
-              <a:rot lat="0" lon="0" rev="1200000"/>
-            </a:lightRig>
-          </a:scene3d>
-          <a:sp3d>
-            <a:bevelT w="63500" h="25400"/>
-          </a:sp3d>
-        </a:effectStyle>
-      </a:effectStyleLst>
-      <a:bgFillStyleLst>
-        <a:solidFill>
-          <a:schemeClr val="phClr"/>
-        </a:solidFill>
-        <a:gradFill rotWithShape="1">
-          <a:gsLst>
-            <a:gs pos="0">
-              <a:schemeClr val="phClr">
-                <a:tint val="40000"/>
-                <a:satMod val="350000"/>
-              </a:schemeClr>
-            </a:gs>
-            <a:gs pos="40000">
-              <a:schemeClr val="phClr">
-                <a:tint val="45000"/>
-                <a:shade val="99000"/>
-                <a:satMod val="350000"/>
-              </a:schemeClr>
-            </a:gs>
-            <a:gs pos="100000">
-              <a:schemeClr val="phClr">
-                <a:shade val="20000"/>
-                <a:satMod val="255000"/>
-              </a:schemeClr>
-            </a:gs>
-          </a:gsLst>
-          <a:path path="circle">
-            <a:fillToRect l="50000" t="-80000" r="50000" b="180000"/>
-          </a:path>
-        </a:gradFill>
-        <a:gradFill rotWithShape="1">
-          <a:gsLst>
-            <a:gs pos="0">
-              <a:schemeClr val="phClr">
-                <a:tint val="80000"/>
-                <a:satMod val="300000"/>
-              </a:schemeClr>
-            </a:gs>
-            <a:gs pos="100000">
-              <a:schemeClr val="phClr">
-                <a:shade val="30000"/>
-                <a:satMod val="200000"/>
-              </a:schemeClr>
-            </a:gs>
-          </a:gsLst>
-          <a:path path="circle">
-            <a:fillToRect l="50000" t="50000" r="50000" b="50000"/>
-          </a:path>
-        </a:gradFill>
-      </a:bgFillStyleLst>
-    </a:fmtScheme>
-  </a:themeElements>
-</a:theme>
 </file>